--- a/College Scorecard Analysis Project/College Selection Model Presentation.pptx
+++ b/College Scorecard Analysis Project/College Selection Model Presentation.pptx
@@ -5,7 +5,7 @@
     <p:sldMasterId id="2147483659" r:id="rId1"/>
   </p:sldMasterIdLst>
   <p:notesMasterIdLst>
-    <p:notesMasterId r:id="rId24"/>
+    <p:notesMasterId r:id="rId25"/>
   </p:notesMasterIdLst>
   <p:sldIdLst>
     <p:sldId id="256" r:id="rId2"/>
@@ -30,16 +30,17 @@
     <p:sldId id="275" r:id="rId21"/>
     <p:sldId id="276" r:id="rId22"/>
     <p:sldId id="277" r:id="rId23"/>
+    <p:sldId id="278" r:id="rId24"/>
   </p:sldIdLst>
   <p:sldSz cx="9144000" cy="5143500" type="screen16x9"/>
   <p:notesSz cx="6858000" cy="9144000"/>
   <p:embeddedFontLst>
     <p:embeddedFont>
       <p:font typeface="Roboto" panose="020B0604020202020204" charset="0"/>
-      <p:regular r:id="rId25"/>
-      <p:bold r:id="rId26"/>
-      <p:italic r:id="rId27"/>
-      <p:boldItalic r:id="rId28"/>
+      <p:regular r:id="rId26"/>
+      <p:bold r:id="rId27"/>
+      <p:italic r:id="rId28"/>
+      <p:boldItalic r:id="rId29"/>
     </p:embeddedFont>
   </p:embeddedFontLst>
   <p:defaultTextStyle>
@@ -1316,7 +1317,7 @@
           </a:bodyPr>
           <a:lstStyle/>
           <a:p>
-            <a:pPr marL="0" lvl="0" indent="0">
+            <a:pPr marL="0" lvl="0" indent="0" rtl="0">
               <a:spcBef>
                 <a:spcPts val="0"/>
               </a:spcBef>
@@ -1339,7 +1340,7 @@
   <p:cSld>
     <p:spTree>
       <p:nvGrpSpPr>
-        <p:cNvPr id="1" name="Shape 199"/>
+        <p:cNvPr id="1" name="Shape 202"/>
         <p:cNvGrpSpPr/>
         <p:nvPr/>
       </p:nvGrpSpPr>
@@ -1353,7 +1354,7 @@
       </p:grpSpPr>
       <p:sp>
         <p:nvSpPr>
-          <p:cNvPr id="200" name="Shape 200"/>
+          <p:cNvPr id="203" name="Shape 203"/>
           <p:cNvSpPr>
             <a:spLocks noGrp="1" noRot="1" noChangeAspect="1"/>
           </p:cNvSpPr>
@@ -1394,7 +1395,7 @@
       </p:sp>
       <p:sp>
         <p:nvSpPr>
-          <p:cNvPr id="201" name="Shape 201"/>
+          <p:cNvPr id="204" name="Shape 204"/>
           <p:cNvSpPr txBox="1">
             <a:spLocks noGrp="1"/>
           </p:cNvSpPr>
@@ -1440,7 +1441,7 @@
   <p:cSld>
     <p:spTree>
       <p:nvGrpSpPr>
-        <p:cNvPr id="1" name="Shape 206"/>
+        <p:cNvPr id="1" name="Shape 209"/>
         <p:cNvGrpSpPr/>
         <p:nvPr/>
       </p:nvGrpSpPr>
@@ -1454,7 +1455,7 @@
       </p:grpSpPr>
       <p:sp>
         <p:nvSpPr>
-          <p:cNvPr id="207" name="Shape 207"/>
+          <p:cNvPr id="210" name="Shape 210"/>
           <p:cNvSpPr>
             <a:spLocks noGrp="1" noRot="1" noChangeAspect="1"/>
           </p:cNvSpPr>
@@ -1495,7 +1496,7 @@
       </p:sp>
       <p:sp>
         <p:nvSpPr>
-          <p:cNvPr id="208" name="Shape 208"/>
+          <p:cNvPr id="211" name="Shape 211"/>
           <p:cNvSpPr txBox="1">
             <a:spLocks noGrp="1"/>
           </p:cNvSpPr>
@@ -1518,7 +1519,7 @@
           </a:bodyPr>
           <a:lstStyle/>
           <a:p>
-            <a:pPr marL="0" lvl="0" indent="0" rtl="0">
+            <a:pPr marL="0" lvl="0" indent="0">
               <a:spcBef>
                 <a:spcPts val="0"/>
               </a:spcBef>
@@ -1541,7 +1542,7 @@
   <p:cSld>
     <p:spTree>
       <p:nvGrpSpPr>
-        <p:cNvPr id="1" name="Shape 213"/>
+        <p:cNvPr id="1" name="Shape 216"/>
         <p:cNvGrpSpPr/>
         <p:nvPr/>
       </p:nvGrpSpPr>
@@ -1555,7 +1556,7 @@
       </p:grpSpPr>
       <p:sp>
         <p:nvSpPr>
-          <p:cNvPr id="214" name="Shape 214"/>
+          <p:cNvPr id="217" name="Shape 217"/>
           <p:cNvSpPr>
             <a:spLocks noGrp="1" noRot="1" noChangeAspect="1"/>
           </p:cNvSpPr>
@@ -1596,7 +1597,7 @@
       </p:sp>
       <p:sp>
         <p:nvSpPr>
-          <p:cNvPr id="215" name="Shape 215"/>
+          <p:cNvPr id="218" name="Shape 218"/>
           <p:cNvSpPr txBox="1">
             <a:spLocks noGrp="1"/>
           </p:cNvSpPr>
@@ -1743,7 +1744,7 @@
   <p:cSld>
     <p:spTree>
       <p:nvGrpSpPr>
-        <p:cNvPr id="1" name="Shape 220"/>
+        <p:cNvPr id="1" name="Shape 222"/>
         <p:cNvGrpSpPr/>
         <p:nvPr/>
       </p:nvGrpSpPr>
@@ -1757,7 +1758,7 @@
       </p:grpSpPr>
       <p:sp>
         <p:nvSpPr>
-          <p:cNvPr id="221" name="Shape 221"/>
+          <p:cNvPr id="223" name="Shape 223"/>
           <p:cNvSpPr>
             <a:spLocks noGrp="1" noRot="1" noChangeAspect="1"/>
           </p:cNvSpPr>
@@ -1798,7 +1799,7 @@
       </p:sp>
       <p:sp>
         <p:nvSpPr>
-          <p:cNvPr id="222" name="Shape 222"/>
+          <p:cNvPr id="224" name="Shape 224"/>
           <p:cNvSpPr txBox="1">
             <a:spLocks noGrp="1"/>
           </p:cNvSpPr>
@@ -1844,7 +1845,7 @@
   <p:cSld>
     <p:spTree>
       <p:nvGrpSpPr>
-        <p:cNvPr id="1" name="Shape 227"/>
+        <p:cNvPr id="1" name="Shape 228"/>
         <p:cNvGrpSpPr/>
         <p:nvPr/>
       </p:nvGrpSpPr>
@@ -1858,7 +1859,7 @@
       </p:grpSpPr>
       <p:sp>
         <p:nvSpPr>
-          <p:cNvPr id="228" name="Shape 228"/>
+          <p:cNvPr id="229" name="Shape 229"/>
           <p:cNvSpPr>
             <a:spLocks noGrp="1" noRot="1" noChangeAspect="1"/>
           </p:cNvSpPr>
@@ -1899,7 +1900,7 @@
       </p:sp>
       <p:sp>
         <p:nvSpPr>
-          <p:cNvPr id="229" name="Shape 229"/>
+          <p:cNvPr id="230" name="Shape 230"/>
           <p:cNvSpPr txBox="1">
             <a:spLocks noGrp="1"/>
           </p:cNvSpPr>
@@ -1922,7 +1923,7 @@
           </a:bodyPr>
           <a:lstStyle/>
           <a:p>
-            <a:pPr marL="0" lvl="0" indent="0">
+            <a:pPr marL="0" lvl="0" indent="0" rtl="0">
               <a:spcBef>
                 <a:spcPts val="0"/>
               </a:spcBef>
@@ -1945,7 +1946,7 @@
   <p:cSld>
     <p:spTree>
       <p:nvGrpSpPr>
-        <p:cNvPr id="1" name="Shape 233"/>
+        <p:cNvPr id="1" name="Shape 234"/>
         <p:cNvGrpSpPr/>
         <p:nvPr/>
       </p:nvGrpSpPr>
@@ -1959,7 +1960,7 @@
       </p:grpSpPr>
       <p:sp>
         <p:nvSpPr>
-          <p:cNvPr id="234" name="Shape 234"/>
+          <p:cNvPr id="235" name="Shape 235"/>
           <p:cNvSpPr>
             <a:spLocks noGrp="1" noRot="1" noChangeAspect="1"/>
           </p:cNvSpPr>
@@ -2000,7 +2001,108 @@
       </p:sp>
       <p:sp>
         <p:nvSpPr>
-          <p:cNvPr id="235" name="Shape 235"/>
+          <p:cNvPr id="236" name="Shape 236"/>
+          <p:cNvSpPr txBox="1">
+            <a:spLocks noGrp="1"/>
+          </p:cNvSpPr>
+          <p:nvPr>
+            <p:ph type="body" idx="1"/>
+          </p:nvPr>
+        </p:nvSpPr>
+        <p:spPr>
+          <a:xfrm>
+            <a:off x="685800" y="4343400"/>
+            <a:ext cx="5486400" cy="4114800"/>
+          </a:xfrm>
+          <a:prstGeom prst="rect">
+            <a:avLst/>
+          </a:prstGeom>
+        </p:spPr>
+        <p:txBody>
+          <a:bodyPr wrap="square" lIns="91425" tIns="91425" rIns="91425" bIns="91425" anchor="t" anchorCtr="0">
+            <a:noAutofit/>
+          </a:bodyPr>
+          <a:lstStyle/>
+          <a:p>
+            <a:pPr marL="0" lvl="0" indent="0">
+              <a:spcBef>
+                <a:spcPts val="0"/>
+              </a:spcBef>
+              <a:buNone/>
+            </a:pPr>
+            <a:endParaRPr/>
+          </a:p>
+        </p:txBody>
+      </p:sp>
+    </p:spTree>
+  </p:cSld>
+  <p:clrMapOvr>
+    <a:masterClrMapping/>
+  </p:clrMapOvr>
+</p:notes>
+</file>
+
+<file path=ppt/notesSlides/notesSlide23.xml><?xml version="1.0" encoding="utf-8"?>
+<p:notes xmlns:a="http://schemas.openxmlformats.org/drawingml/2006/main" xmlns:r="http://schemas.openxmlformats.org/officeDocument/2006/relationships" xmlns:p="http://schemas.openxmlformats.org/presentationml/2006/main" showMasterSp="0" showMasterPhAnim="0">
+  <p:cSld>
+    <p:spTree>
+      <p:nvGrpSpPr>
+        <p:cNvPr id="1" name="Shape 240"/>
+        <p:cNvGrpSpPr/>
+        <p:nvPr/>
+      </p:nvGrpSpPr>
+      <p:grpSpPr>
+        <a:xfrm>
+          <a:off x="0" y="0"/>
+          <a:ext cx="0" cy="0"/>
+          <a:chOff x="0" y="0"/>
+          <a:chExt cx="0" cy="0"/>
+        </a:xfrm>
+      </p:grpSpPr>
+      <p:sp>
+        <p:nvSpPr>
+          <p:cNvPr id="241" name="Shape 241"/>
+          <p:cNvSpPr>
+            <a:spLocks noGrp="1" noRot="1" noChangeAspect="1"/>
+          </p:cNvSpPr>
+          <p:nvPr>
+            <p:ph type="sldImg" idx="2"/>
+          </p:nvPr>
+        </p:nvSpPr>
+        <p:spPr>
+          <a:xfrm>
+            <a:off x="381000" y="685800"/>
+            <a:ext cx="6096000" cy="3429000"/>
+          </a:xfrm>
+          <a:custGeom>
+            <a:avLst/>
+            <a:gdLst/>
+            <a:ahLst/>
+            <a:cxnLst/>
+            <a:rect l="0" t="0" r="0" b="0"/>
+            <a:pathLst>
+              <a:path w="120000" h="120000" extrusionOk="0">
+                <a:moveTo>
+                  <a:pt x="0" y="0"/>
+                </a:moveTo>
+                <a:lnTo>
+                  <a:pt x="120000" y="0"/>
+                </a:lnTo>
+                <a:lnTo>
+                  <a:pt x="120000" y="120000"/>
+                </a:lnTo>
+                <a:lnTo>
+                  <a:pt x="0" y="120000"/>
+                </a:lnTo>
+                <a:close/>
+              </a:path>
+            </a:pathLst>
+          </a:custGeom>
+        </p:spPr>
+      </p:sp>
+      <p:sp>
+        <p:nvSpPr>
+          <p:cNvPr id="242" name="Shape 242"/>
           <p:cNvSpPr txBox="1">
             <a:spLocks noGrp="1"/>
           </p:cNvSpPr>
@@ -8287,7 +8389,7 @@
             <a:tbl>
               <a:tblPr>
                 <a:noFill/>
-                <a:tableStyleId>{858E40EB-975A-4042-A4D1-2F7B21A0BBF2}</a:tableStyleId>
+                <a:tableStyleId>{9963FC1C-A2FA-4013-84E5-24CCF4BFDC0B}</a:tableStyleId>
               </a:tblPr>
               <a:tblGrid>
                 <a:gridCol w="4260300">
@@ -8703,7 +8805,7 @@
             <a:tbl>
               <a:tblPr>
                 <a:noFill/>
-                <a:tableStyleId>{858E40EB-975A-4042-A4D1-2F7B21A0BBF2}</a:tableStyleId>
+                <a:tableStyleId>{9963FC1C-A2FA-4013-84E5-24CCF4BFDC0B}</a:tableStyleId>
               </a:tblPr>
               <a:tblGrid>
                 <a:gridCol w="4260300">
@@ -8972,7 +9074,7 @@
             <a:tbl>
               <a:tblPr>
                 <a:noFill/>
-                <a:tableStyleId>{858E40EB-975A-4042-A4D1-2F7B21A0BBF2}</a:tableStyleId>
+                <a:tableStyleId>{9963FC1C-A2FA-4013-84E5-24CCF4BFDC0B}</a:tableStyleId>
               </a:tblPr>
               <a:tblGrid>
                 <a:gridCol w="3698875">
@@ -9300,7 +9402,7 @@
             <a:tbl>
               <a:tblPr>
                 <a:noFill/>
-                <a:tableStyleId>{858E40EB-975A-4042-A4D1-2F7B21A0BBF2}</a:tableStyleId>
+                <a:tableStyleId>{9963FC1C-A2FA-4013-84E5-24CCF4BFDC0B}</a:tableStyleId>
               </a:tblPr>
               <a:tblGrid>
                 <a:gridCol w="3698875">
@@ -9562,7 +9664,7 @@
           </a:bodyPr>
           <a:lstStyle/>
           <a:p>
-            <a:pPr marL="0" lvl="0" indent="0">
+            <a:pPr marL="0" lvl="0" indent="0" rtl="0">
               <a:spcBef>
                 <a:spcPts val="0"/>
               </a:spcBef>
@@ -9570,8 +9672,17 @@
             </a:pPr>
             <a:r>
               <a:rPr lang="en"/>
-              <a:t>Evaluation &amp; Findings - Top 10 Institutions</a:t>
+              <a:t>Evaluation &amp; Findings - Superscores</a:t>
             </a:r>
+          </a:p>
+          <a:p>
+            <a:pPr marL="0" lvl="0" indent="0" rtl="0">
+              <a:spcBef>
+                <a:spcPts val="0"/>
+              </a:spcBef>
+              <a:buNone/>
+            </a:pPr>
+            <a:endParaRPr/>
           </a:p>
         </p:txBody>
       </p:sp>
@@ -9587,8 +9698,8 @@
         </p:nvSpPr>
         <p:spPr>
           <a:xfrm>
-            <a:off x="311700" y="1229875"/>
-            <a:ext cx="8520600" cy="3646500"/>
+            <a:off x="311700" y="1128975"/>
+            <a:ext cx="4260300" cy="3736800"/>
           </a:xfrm>
           <a:prstGeom prst="rect">
             <a:avLst/>
@@ -9600,13 +9711,16 @@
           </a:bodyPr>
           <a:lstStyle/>
           <a:p>
-            <a:pPr marL="0" lvl="0" indent="0">
+            <a:pPr marL="0" lvl="0" indent="0" algn="ctr" rtl="0">
               <a:spcBef>
                 <a:spcPts val="0"/>
               </a:spcBef>
               <a:buNone/>
             </a:pPr>
-            <a:endParaRPr sz="1200"/>
+            <a:r>
+              <a:rPr lang="en" sz="1200"/>
+              <a:t>Financial Stability ranking ranged from -8.5 to 10.5</a:t>
+            </a:r>
           </a:p>
         </p:txBody>
       </p:sp>
@@ -9617,7 +9731,7 @@
           <p:nvPr/>
         </p:nvGraphicFramePr>
         <p:xfrm>
-          <a:off x="400563" y="1940675"/>
+          <a:off x="311700" y="1707125"/>
           <a:ext cx="3000000" cy="3000000"/>
         </p:xfrm>
         <a:graphic>
@@ -9625,18 +9739,41 @@
             <a:tbl>
               <a:tblPr>
                 <a:noFill/>
-                <a:tableStyleId>{858E40EB-975A-4042-A4D1-2F7B21A0BBF2}</a:tableStyleId>
+                <a:tableStyleId>{9963FC1C-A2FA-4013-84E5-24CCF4BFDC0B}</a:tableStyleId>
               </a:tblPr>
               <a:tblGrid>
-                <a:gridCol w="8355375">
+                <a:gridCol w="4260300">
                   <a:extLst>
                     <a:ext uri="{9D8B030D-6E8A-4147-A177-3AD203B41FA5}">
                       <a16:colId xmlns:a16="http://schemas.microsoft.com/office/drawing/2014/main" val="20000"/>
                     </a:ext>
                   </a:extLst>
                 </a:gridCol>
+                <a:gridCol w="4260300">
+                  <a:extLst>
+                    <a:ext uri="{9D8B030D-6E8A-4147-A177-3AD203B41FA5}">
+                      <a16:colId xmlns:a16="http://schemas.microsoft.com/office/drawing/2014/main" val="20001"/>
+                    </a:ext>
+                  </a:extLst>
+                </a:gridCol>
               </a:tblGrid>
-              <a:tr h="1467850">
+              <a:tr h="3158650">
+                <a:tc>
+                  <a:txBody>
+                    <a:bodyPr/>
+                    <a:lstStyle/>
+                    <a:p>
+                      <a:pPr marL="0" lvl="0" indent="0">
+                        <a:spcBef>
+                          <a:spcPts val="0"/>
+                        </a:spcBef>
+                        <a:buNone/>
+                      </a:pPr>
+                      <a:endParaRPr/>
+                    </a:p>
+                  </a:txBody>
+                  <a:tcPr marL="91425" marR="91425" marT="91425" marB="91425"/>
+                </a:tc>
                 <a:tc>
                   <a:txBody>
                     <a:bodyPr/>
@@ -9659,33 +9796,104 @@
                   </a:ext>
                 </a:extLst>
               </a:tr>
-              <a:tr h="1467850">
-                <a:tc>
-                  <a:txBody>
-                    <a:bodyPr/>
-                    <a:lstStyle/>
-                    <a:p>
-                      <a:pPr marL="0" lvl="0" indent="0">
-                        <a:spcBef>
-                          <a:spcPts val="0"/>
-                        </a:spcBef>
-                        <a:buNone/>
-                      </a:pPr>
-                      <a:endParaRPr/>
-                    </a:p>
-                  </a:txBody>
-                  <a:tcPr marL="91425" marR="91425" marT="91425" marB="91425"/>
-                </a:tc>
-                <a:extLst>
-                  <a:ext uri="{0D108BD9-81ED-4DB2-BD59-A6C34878D82A}">
-                    <a16:rowId xmlns:a16="http://schemas.microsoft.com/office/drawing/2014/main" val="10001"/>
-                  </a:ext>
-                </a:extLst>
-              </a:tr>
             </a:tbl>
           </a:graphicData>
         </a:graphic>
       </p:graphicFrame>
+      <p:sp>
+        <p:nvSpPr>
+          <p:cNvPr id="199" name="Shape 199"/>
+          <p:cNvSpPr txBox="1">
+            <a:spLocks noGrp="1"/>
+          </p:cNvSpPr>
+          <p:nvPr>
+            <p:ph type="body" idx="1"/>
+          </p:nvPr>
+        </p:nvSpPr>
+        <p:spPr>
+          <a:xfrm>
+            <a:off x="4571950" y="1131125"/>
+            <a:ext cx="4260300" cy="3736800"/>
+          </a:xfrm>
+          <a:prstGeom prst="rect">
+            <a:avLst/>
+          </a:prstGeom>
+        </p:spPr>
+        <p:txBody>
+          <a:bodyPr wrap="square" lIns="91425" tIns="91425" rIns="91425" bIns="91425" anchor="t" anchorCtr="0">
+            <a:noAutofit/>
+          </a:bodyPr>
+          <a:lstStyle/>
+          <a:p>
+            <a:pPr marL="0" lvl="0" indent="0" algn="ctr" rtl="0">
+              <a:spcBef>
+                <a:spcPts val="0"/>
+              </a:spcBef>
+              <a:buNone/>
+            </a:pPr>
+            <a:r>
+              <a:rPr lang="en" sz="1200"/>
+              <a:t>Academic Success range -9 to 7.2</a:t>
+            </a:r>
+          </a:p>
+        </p:txBody>
+      </p:sp>
+      <p:pic>
+        <p:nvPicPr>
+          <p:cNvPr id="200" name="Shape 200"/>
+          <p:cNvPicPr preferRelativeResize="0"/>
+          <p:nvPr/>
+        </p:nvPicPr>
+        <p:blipFill>
+          <a:blip r:embed="rId3">
+            <a:alphaModFix/>
+          </a:blip>
+          <a:stretch>
+            <a:fillRect/>
+          </a:stretch>
+        </p:blipFill>
+        <p:spPr>
+          <a:xfrm>
+            <a:off x="311700" y="1707125"/>
+            <a:ext cx="4260300" cy="3158650"/>
+          </a:xfrm>
+          <a:prstGeom prst="rect">
+            <a:avLst/>
+          </a:prstGeom>
+          <a:noFill/>
+          <a:ln>
+            <a:noFill/>
+          </a:ln>
+        </p:spPr>
+      </p:pic>
+      <p:pic>
+        <p:nvPicPr>
+          <p:cNvPr id="201" name="Shape 201"/>
+          <p:cNvPicPr preferRelativeResize="0"/>
+          <p:nvPr/>
+        </p:nvPicPr>
+        <p:blipFill>
+          <a:blip r:embed="rId4">
+            <a:alphaModFix/>
+          </a:blip>
+          <a:stretch>
+            <a:fillRect/>
+          </a:stretch>
+        </p:blipFill>
+        <p:spPr>
+          <a:xfrm>
+            <a:off x="4572000" y="1707125"/>
+            <a:ext cx="4260300" cy="3158650"/>
+          </a:xfrm>
+          <a:prstGeom prst="rect">
+            <a:avLst/>
+          </a:prstGeom>
+          <a:noFill/>
+          <a:ln>
+            <a:noFill/>
+          </a:ln>
+        </p:spPr>
+      </p:pic>
     </p:spTree>
   </p:cSld>
   <p:clrMapOvr>
@@ -9699,7 +9907,7 @@
   <p:cSld>
     <p:spTree>
       <p:nvGrpSpPr>
-        <p:cNvPr id="1" name="Shape 202"/>
+        <p:cNvPr id="1" name="Shape 205"/>
         <p:cNvGrpSpPr/>
         <p:nvPr/>
       </p:nvGrpSpPr>
@@ -9713,7 +9921,7 @@
       </p:grpSpPr>
       <p:sp>
         <p:nvSpPr>
-          <p:cNvPr id="203" name="Shape 203"/>
+          <p:cNvPr id="206" name="Shape 206"/>
           <p:cNvSpPr txBox="1">
             <a:spLocks noGrp="1"/>
           </p:cNvSpPr>
@@ -9743,15 +9951,153 @@
               <a:buNone/>
             </a:pPr>
             <a:r>
-              <a:rPr lang="en"/>
-              <a:t>Evaluation &amp; Findings for John Brown</a:t>
+              <a:rPr lang="en" sz="1800"/>
+              <a:t>Evaluation &amp; Findings - Financial Stability vs Academic Success</a:t>
             </a:r>
           </a:p>
         </p:txBody>
       </p:sp>
       <p:sp>
         <p:nvSpPr>
-          <p:cNvPr id="204" name="Shape 204"/>
+          <p:cNvPr id="207" name="Shape 207"/>
+          <p:cNvSpPr txBox="1">
+            <a:spLocks noGrp="1"/>
+          </p:cNvSpPr>
+          <p:nvPr>
+            <p:ph type="body" idx="1"/>
+          </p:nvPr>
+        </p:nvSpPr>
+        <p:spPr>
+          <a:xfrm>
+            <a:off x="311700" y="1229875"/>
+            <a:ext cx="8520600" cy="3646500"/>
+          </a:xfrm>
+          <a:prstGeom prst="rect">
+            <a:avLst/>
+          </a:prstGeom>
+        </p:spPr>
+        <p:txBody>
+          <a:bodyPr wrap="square" lIns="91425" tIns="91425" rIns="91425" bIns="91425" anchor="t" anchorCtr="0">
+            <a:noAutofit/>
+          </a:bodyPr>
+          <a:lstStyle/>
+          <a:p>
+            <a:pPr marL="0" lvl="0" indent="0">
+              <a:spcBef>
+                <a:spcPts val="0"/>
+              </a:spcBef>
+              <a:buNone/>
+            </a:pPr>
+            <a:r>
+              <a:rPr lang="en" sz="1200"/>
+              <a:t>Verified that there is a relationship between financial stability and academic success. As Financial Stability increases, Academic Success increase</a:t>
+            </a:r>
+          </a:p>
+          <a:p>
+            <a:pPr marL="0" lvl="0" indent="0">
+              <a:spcBef>
+                <a:spcPts val="0"/>
+              </a:spcBef>
+              <a:buNone/>
+            </a:pPr>
+            <a:endParaRPr sz="1200"/>
+          </a:p>
+        </p:txBody>
+      </p:sp>
+      <p:pic>
+        <p:nvPicPr>
+          <p:cNvPr id="208" name="Shape 208"/>
+          <p:cNvPicPr preferRelativeResize="0"/>
+          <p:nvPr/>
+        </p:nvPicPr>
+        <p:blipFill>
+          <a:blip r:embed="rId3">
+            <a:alphaModFix/>
+          </a:blip>
+          <a:stretch>
+            <a:fillRect/>
+          </a:stretch>
+        </p:blipFill>
+        <p:spPr>
+          <a:xfrm>
+            <a:off x="1609675" y="1806725"/>
+            <a:ext cx="5445075" cy="2825850"/>
+          </a:xfrm>
+          <a:prstGeom prst="rect">
+            <a:avLst/>
+          </a:prstGeom>
+          <a:noFill/>
+          <a:ln>
+            <a:noFill/>
+          </a:ln>
+        </p:spPr>
+      </p:pic>
+    </p:spTree>
+  </p:cSld>
+  <p:clrMapOvr>
+    <a:masterClrMapping/>
+  </p:clrMapOvr>
+</p:sld>
+</file>
+
+<file path=ppt/slides/slide18.xml><?xml version="1.0" encoding="utf-8"?>
+<p:sld xmlns:a="http://schemas.openxmlformats.org/drawingml/2006/main" xmlns:r="http://schemas.openxmlformats.org/officeDocument/2006/relationships" xmlns:p="http://schemas.openxmlformats.org/presentationml/2006/main">
+  <p:cSld>
+    <p:spTree>
+      <p:nvGrpSpPr>
+        <p:cNvPr id="1" name="Shape 212"/>
+        <p:cNvGrpSpPr/>
+        <p:nvPr/>
+      </p:nvGrpSpPr>
+      <p:grpSpPr>
+        <a:xfrm>
+          <a:off x="0" y="0"/>
+          <a:ext cx="0" cy="0"/>
+          <a:chOff x="0" y="0"/>
+          <a:chExt cx="0" cy="0"/>
+        </a:xfrm>
+      </p:grpSpPr>
+      <p:sp>
+        <p:nvSpPr>
+          <p:cNvPr id="213" name="Shape 213"/>
+          <p:cNvSpPr txBox="1">
+            <a:spLocks noGrp="1"/>
+          </p:cNvSpPr>
+          <p:nvPr>
+            <p:ph type="title"/>
+          </p:nvPr>
+        </p:nvSpPr>
+        <p:spPr>
+          <a:xfrm>
+            <a:off x="311700" y="410000"/>
+            <a:ext cx="8520600" cy="607800"/>
+          </a:xfrm>
+          <a:prstGeom prst="rect">
+            <a:avLst/>
+          </a:prstGeom>
+        </p:spPr>
+        <p:txBody>
+          <a:bodyPr wrap="square" lIns="91425" tIns="91425" rIns="91425" bIns="91425" anchor="t" anchorCtr="0">
+            <a:noAutofit/>
+          </a:bodyPr>
+          <a:lstStyle/>
+          <a:p>
+            <a:pPr marL="0" lvl="0" indent="0">
+              <a:spcBef>
+                <a:spcPts val="0"/>
+              </a:spcBef>
+              <a:buNone/>
+            </a:pPr>
+            <a:r>
+              <a:rPr lang="en"/>
+              <a:t>Model Demonstration for John Brown</a:t>
+            </a:r>
+          </a:p>
+        </p:txBody>
+      </p:sp>
+      <p:sp>
+        <p:nvSpPr>
+          <p:cNvPr id="214" name="Shape 214"/>
           <p:cNvSpPr txBox="1">
             <a:spLocks noGrp="1"/>
           </p:cNvSpPr>
@@ -9806,7 +10152,7 @@
       </p:sp>
       <p:graphicFrame>
         <p:nvGraphicFramePr>
-          <p:cNvPr id="205" name="Shape 205"/>
+          <p:cNvPr id="215" name="Shape 215"/>
           <p:cNvGraphicFramePr/>
           <p:nvPr/>
         </p:nvGraphicFramePr>
@@ -9819,7 +10165,7 @@
             <a:tbl>
               <a:tblPr>
                 <a:noFill/>
-                <a:tableStyleId>{858E40EB-975A-4042-A4D1-2F7B21A0BBF2}</a:tableStyleId>
+                <a:tableStyleId>{9963FC1C-A2FA-4013-84E5-24CCF4BFDC0B}</a:tableStyleId>
               </a:tblPr>
               <a:tblGrid>
                 <a:gridCol w="904150">
@@ -12223,12 +12569,12 @@
 </p:sld>
 </file>
 
-<file path=ppt/slides/slide18.xml><?xml version="1.0" encoding="utf-8"?>
+<file path=ppt/slides/slide19.xml><?xml version="1.0" encoding="utf-8"?>
 <p:sld xmlns:a="http://schemas.openxmlformats.org/drawingml/2006/main" xmlns:r="http://schemas.openxmlformats.org/officeDocument/2006/relationships" xmlns:p="http://schemas.openxmlformats.org/presentationml/2006/main">
   <p:cSld>
     <p:spTree>
       <p:nvGrpSpPr>
-        <p:cNvPr id="1" name="Shape 209"/>
+        <p:cNvPr id="1" name="Shape 219"/>
         <p:cNvGrpSpPr/>
         <p:nvPr/>
       </p:nvGrpSpPr>
@@ -12242,7 +12588,7 @@
       </p:grpSpPr>
       <p:sp>
         <p:nvSpPr>
-          <p:cNvPr id="210" name="Shape 210"/>
+          <p:cNvPr id="220" name="Shape 220"/>
           <p:cNvSpPr txBox="1">
             <a:spLocks noGrp="1"/>
           </p:cNvSpPr>
@@ -12273,14 +12619,14 @@
             </a:pPr>
             <a:r>
               <a:rPr lang="en"/>
-              <a:t>Evaluation &amp; Findings for Mary Jane</a:t>
+              <a:t>Model Demonstration for Mary Jane</a:t>
             </a:r>
           </a:p>
         </p:txBody>
       </p:sp>
       <p:sp>
         <p:nvSpPr>
-          <p:cNvPr id="211" name="Shape 211"/>
+          <p:cNvPr id="221" name="Shape 221"/>
           <p:cNvSpPr txBox="1">
             <a:spLocks noGrp="1"/>
           </p:cNvSpPr>
@@ -12329,272 +12675,6 @@
           </a:p>
         </p:txBody>
       </p:sp>
-      <p:graphicFrame>
-        <p:nvGraphicFramePr>
-          <p:cNvPr id="212" name="Shape 212"/>
-          <p:cNvGraphicFramePr/>
-          <p:nvPr/>
-        </p:nvGraphicFramePr>
-        <p:xfrm>
-          <a:off x="445650" y="1763150"/>
-          <a:ext cx="3000000" cy="3000000"/>
-        </p:xfrm>
-        <a:graphic>
-          <a:graphicData uri="http://schemas.openxmlformats.org/drawingml/2006/table">
-            <a:tbl>
-              <a:tblPr>
-                <a:noFill/>
-                <a:tableStyleId>{858E40EB-975A-4042-A4D1-2F7B21A0BBF2}</a:tableStyleId>
-              </a:tblPr>
-              <a:tblGrid>
-                <a:gridCol w="8140075">
-                  <a:extLst>
-                    <a:ext uri="{9D8B030D-6E8A-4147-A177-3AD203B41FA5}">
-                      <a16:colId xmlns:a16="http://schemas.microsoft.com/office/drawing/2014/main" val="20000"/>
-                    </a:ext>
-                  </a:extLst>
-                </a:gridCol>
-              </a:tblGrid>
-              <a:tr h="1467850">
-                <a:tc>
-                  <a:txBody>
-                    <a:bodyPr/>
-                    <a:lstStyle/>
-                    <a:p>
-                      <a:pPr marL="0" lvl="0" indent="0">
-                        <a:spcBef>
-                          <a:spcPts val="0"/>
-                        </a:spcBef>
-                        <a:buNone/>
-                      </a:pPr>
-                      <a:endParaRPr/>
-                    </a:p>
-                  </a:txBody>
-                  <a:tcPr marL="91425" marR="91425" marT="91425" marB="91425"/>
-                </a:tc>
-                <a:extLst>
-                  <a:ext uri="{0D108BD9-81ED-4DB2-BD59-A6C34878D82A}">
-                    <a16:rowId xmlns:a16="http://schemas.microsoft.com/office/drawing/2014/main" val="10000"/>
-                  </a:ext>
-                </a:extLst>
-              </a:tr>
-              <a:tr h="1467850">
-                <a:tc>
-                  <a:txBody>
-                    <a:bodyPr/>
-                    <a:lstStyle/>
-                    <a:p>
-                      <a:pPr marL="0" lvl="0" indent="0">
-                        <a:spcBef>
-                          <a:spcPts val="0"/>
-                        </a:spcBef>
-                        <a:buNone/>
-                      </a:pPr>
-                      <a:endParaRPr/>
-                    </a:p>
-                  </a:txBody>
-                  <a:tcPr marL="91425" marR="91425" marT="91425" marB="91425"/>
-                </a:tc>
-                <a:extLst>
-                  <a:ext uri="{0D108BD9-81ED-4DB2-BD59-A6C34878D82A}">
-                    <a16:rowId xmlns:a16="http://schemas.microsoft.com/office/drawing/2014/main" val="10001"/>
-                  </a:ext>
-                </a:extLst>
-              </a:tr>
-            </a:tbl>
-          </a:graphicData>
-        </a:graphic>
-      </p:graphicFrame>
-    </p:spTree>
-  </p:cSld>
-  <p:clrMapOvr>
-    <a:masterClrMapping/>
-  </p:clrMapOvr>
-</p:sld>
-</file>
-
-<file path=ppt/slides/slide19.xml><?xml version="1.0" encoding="utf-8"?>
-<p:sld xmlns:a="http://schemas.openxmlformats.org/drawingml/2006/main" xmlns:r="http://schemas.openxmlformats.org/officeDocument/2006/relationships" xmlns:p="http://schemas.openxmlformats.org/presentationml/2006/main">
-  <p:cSld>
-    <p:spTree>
-      <p:nvGrpSpPr>
-        <p:cNvPr id="1" name="Shape 216"/>
-        <p:cNvGrpSpPr/>
-        <p:nvPr/>
-      </p:nvGrpSpPr>
-      <p:grpSpPr>
-        <a:xfrm>
-          <a:off x="0" y="0"/>
-          <a:ext cx="0" cy="0"/>
-          <a:chOff x="0" y="0"/>
-          <a:chExt cx="0" cy="0"/>
-        </a:xfrm>
-      </p:grpSpPr>
-      <p:sp>
-        <p:nvSpPr>
-          <p:cNvPr id="217" name="Shape 217"/>
-          <p:cNvSpPr txBox="1">
-            <a:spLocks noGrp="1"/>
-          </p:cNvSpPr>
-          <p:nvPr>
-            <p:ph type="title"/>
-          </p:nvPr>
-        </p:nvSpPr>
-        <p:spPr>
-          <a:xfrm>
-            <a:off x="311700" y="410000"/>
-            <a:ext cx="8520600" cy="607800"/>
-          </a:xfrm>
-          <a:prstGeom prst="rect">
-            <a:avLst/>
-          </a:prstGeom>
-        </p:spPr>
-        <p:txBody>
-          <a:bodyPr wrap="square" lIns="91425" tIns="91425" rIns="91425" bIns="91425" anchor="t" anchorCtr="0">
-            <a:noAutofit/>
-          </a:bodyPr>
-          <a:lstStyle/>
-          <a:p>
-            <a:pPr marL="0" lvl="0" indent="0" rtl="0">
-              <a:spcBef>
-                <a:spcPts val="0"/>
-              </a:spcBef>
-              <a:buNone/>
-            </a:pPr>
-            <a:r>
-              <a:rPr lang="en"/>
-              <a:t>Evaluation &amp; Findings for Mark Lucas Brown</a:t>
-            </a:r>
-          </a:p>
-        </p:txBody>
-      </p:sp>
-      <p:sp>
-        <p:nvSpPr>
-          <p:cNvPr id="218" name="Shape 218"/>
-          <p:cNvSpPr txBox="1">
-            <a:spLocks noGrp="1"/>
-          </p:cNvSpPr>
-          <p:nvPr>
-            <p:ph type="body" idx="1"/>
-          </p:nvPr>
-        </p:nvSpPr>
-        <p:spPr>
-          <a:xfrm>
-            <a:off x="311700" y="1229875"/>
-            <a:ext cx="8520600" cy="3339000"/>
-          </a:xfrm>
-          <a:prstGeom prst="rect">
-            <a:avLst/>
-          </a:prstGeom>
-        </p:spPr>
-        <p:txBody>
-          <a:bodyPr wrap="square" lIns="91425" tIns="91425" rIns="91425" bIns="91425" anchor="t" anchorCtr="0">
-            <a:noAutofit/>
-          </a:bodyPr>
-          <a:lstStyle/>
-          <a:p>
-            <a:pPr marL="0" lvl="0" indent="0" rtl="0">
-              <a:spcBef>
-                <a:spcPts val="0"/>
-              </a:spcBef>
-              <a:buNone/>
-            </a:pPr>
-            <a:r>
-              <a:rPr lang="en"/>
-              <a:t>Persona Details </a:t>
-            </a:r>
-            <a:r>
-              <a:rPr lang="en" sz="1000" u="sng">
-                <a:solidFill>
-                  <a:schemeClr val="hlink"/>
-                </a:solidFill>
-                <a:hlinkClick r:id="rId3"/>
-              </a:rPr>
-              <a:t>https://docs.google.com/document/d/1ccsPyEc9YnceZBcZb0yX7EOTh2copYjGewDyxH9hqgc/edit?ts=5a246a99</a:t>
-            </a:r>
-            <a:r>
-              <a:rPr lang="en" sz="1000"/>
-              <a:t> </a:t>
-            </a:r>
-          </a:p>
-        </p:txBody>
-      </p:sp>
-      <p:graphicFrame>
-        <p:nvGraphicFramePr>
-          <p:cNvPr id="219" name="Shape 219"/>
-          <p:cNvGraphicFramePr/>
-          <p:nvPr/>
-        </p:nvGraphicFramePr>
-        <p:xfrm>
-          <a:off x="480900" y="1763150"/>
-          <a:ext cx="3000000" cy="3000000"/>
-        </p:xfrm>
-        <a:graphic>
-          <a:graphicData uri="http://schemas.openxmlformats.org/drawingml/2006/table">
-            <a:tbl>
-              <a:tblPr>
-                <a:noFill/>
-                <a:tableStyleId>{858E40EB-975A-4042-A4D1-2F7B21A0BBF2}</a:tableStyleId>
-              </a:tblPr>
-              <a:tblGrid>
-                <a:gridCol w="7943250">
-                  <a:extLst>
-                    <a:ext uri="{9D8B030D-6E8A-4147-A177-3AD203B41FA5}">
-                      <a16:colId xmlns:a16="http://schemas.microsoft.com/office/drawing/2014/main" val="20000"/>
-                    </a:ext>
-                  </a:extLst>
-                </a:gridCol>
-              </a:tblGrid>
-              <a:tr h="1467850">
-                <a:tc>
-                  <a:txBody>
-                    <a:bodyPr/>
-                    <a:lstStyle/>
-                    <a:p>
-                      <a:pPr marL="0" lvl="0" indent="0">
-                        <a:spcBef>
-                          <a:spcPts val="0"/>
-                        </a:spcBef>
-                        <a:buNone/>
-                      </a:pPr>
-                      <a:endParaRPr/>
-                    </a:p>
-                  </a:txBody>
-                  <a:tcPr marL="91425" marR="91425" marT="91425" marB="91425"/>
-                </a:tc>
-                <a:extLst>
-                  <a:ext uri="{0D108BD9-81ED-4DB2-BD59-A6C34878D82A}">
-                    <a16:rowId xmlns:a16="http://schemas.microsoft.com/office/drawing/2014/main" val="10000"/>
-                  </a:ext>
-                </a:extLst>
-              </a:tr>
-              <a:tr h="1467850">
-                <a:tc>
-                  <a:txBody>
-                    <a:bodyPr/>
-                    <a:lstStyle/>
-                    <a:p>
-                      <a:pPr marL="0" lvl="0" indent="0">
-                        <a:spcBef>
-                          <a:spcPts val="0"/>
-                        </a:spcBef>
-                        <a:buNone/>
-                      </a:pPr>
-                      <a:endParaRPr/>
-                    </a:p>
-                  </a:txBody>
-                  <a:tcPr marL="91425" marR="91425" marT="91425" marB="91425"/>
-                </a:tc>
-                <a:extLst>
-                  <a:ext uri="{0D108BD9-81ED-4DB2-BD59-A6C34878D82A}">
-                    <a16:rowId xmlns:a16="http://schemas.microsoft.com/office/drawing/2014/main" val="10001"/>
-                  </a:ext>
-                </a:extLst>
-              </a:tr>
-            </a:tbl>
-          </a:graphicData>
-        </a:graphic>
-      </p:graphicFrame>
     </p:spTree>
   </p:cSld>
   <p:clrMapOvr>
@@ -12795,6 +12875,22 @@
             </a:r>
           </a:p>
           <a:p>
+            <a:pPr marL="457200" lvl="0" indent="-342900" rtl="0">
+              <a:spcBef>
+                <a:spcPts val="0"/>
+              </a:spcBef>
+              <a:spcAft>
+                <a:spcPts val="0"/>
+              </a:spcAft>
+              <a:buSzPts val="1800"/>
+              <a:buChar char="❖"/>
+            </a:pPr>
+            <a:r>
+              <a:rPr lang="en"/>
+              <a:t>Model Demonstration</a:t>
+            </a:r>
+          </a:p>
+          <a:p>
             <a:pPr marL="457200" lvl="0" indent="-342900">
               <a:spcBef>
                 <a:spcPts val="0"/>
@@ -12822,7 +12918,7 @@
   <p:cSld>
     <p:spTree>
       <p:nvGrpSpPr>
-        <p:cNvPr id="1" name="Shape 223"/>
+        <p:cNvPr id="1" name="Shape 225"/>
         <p:cNvGrpSpPr/>
         <p:nvPr/>
       </p:nvGrpSpPr>
@@ -12836,7 +12932,7 @@
       </p:grpSpPr>
       <p:sp>
         <p:nvSpPr>
-          <p:cNvPr id="224" name="Shape 224"/>
+          <p:cNvPr id="226" name="Shape 226"/>
           <p:cNvSpPr txBox="1">
             <a:spLocks noGrp="1"/>
           </p:cNvSpPr>
@@ -12867,14 +12963,128 @@
             </a:pPr>
             <a:r>
               <a:rPr lang="en"/>
-              <a:t>Evaluation &amp; Findings for James Dove</a:t>
+              <a:t>Model Demonstration for Mark Lucas Brown</a:t>
             </a:r>
           </a:p>
         </p:txBody>
       </p:sp>
       <p:sp>
         <p:nvSpPr>
-          <p:cNvPr id="225" name="Shape 225"/>
+          <p:cNvPr id="227" name="Shape 227"/>
+          <p:cNvSpPr txBox="1">
+            <a:spLocks noGrp="1"/>
+          </p:cNvSpPr>
+          <p:nvPr>
+            <p:ph type="body" idx="1"/>
+          </p:nvPr>
+        </p:nvSpPr>
+        <p:spPr>
+          <a:xfrm>
+            <a:off x="311700" y="1229875"/>
+            <a:ext cx="8520600" cy="3339000"/>
+          </a:xfrm>
+          <a:prstGeom prst="rect">
+            <a:avLst/>
+          </a:prstGeom>
+        </p:spPr>
+        <p:txBody>
+          <a:bodyPr wrap="square" lIns="91425" tIns="91425" rIns="91425" bIns="91425" anchor="t" anchorCtr="0">
+            <a:noAutofit/>
+          </a:bodyPr>
+          <a:lstStyle/>
+          <a:p>
+            <a:pPr marL="0" lvl="0" indent="0" rtl="0">
+              <a:spcBef>
+                <a:spcPts val="0"/>
+              </a:spcBef>
+              <a:buNone/>
+            </a:pPr>
+            <a:r>
+              <a:rPr lang="en"/>
+              <a:t>Persona Details </a:t>
+            </a:r>
+            <a:r>
+              <a:rPr lang="en" sz="1000" u="sng">
+                <a:solidFill>
+                  <a:schemeClr val="hlink"/>
+                </a:solidFill>
+                <a:hlinkClick r:id="rId3"/>
+              </a:rPr>
+              <a:t>https://docs.google.com/document/d/1ccsPyEc9YnceZBcZb0yX7EOTh2copYjGewDyxH9hqgc/edit?ts=5a246a99</a:t>
+            </a:r>
+            <a:r>
+              <a:rPr lang="en" sz="1000"/>
+              <a:t> </a:t>
+            </a:r>
+          </a:p>
+        </p:txBody>
+      </p:sp>
+    </p:spTree>
+  </p:cSld>
+  <p:clrMapOvr>
+    <a:masterClrMapping/>
+  </p:clrMapOvr>
+</p:sld>
+</file>
+
+<file path=ppt/slides/slide21.xml><?xml version="1.0" encoding="utf-8"?>
+<p:sld xmlns:a="http://schemas.openxmlformats.org/drawingml/2006/main" xmlns:r="http://schemas.openxmlformats.org/officeDocument/2006/relationships" xmlns:p="http://schemas.openxmlformats.org/presentationml/2006/main">
+  <p:cSld>
+    <p:spTree>
+      <p:nvGrpSpPr>
+        <p:cNvPr id="1" name="Shape 231"/>
+        <p:cNvGrpSpPr/>
+        <p:nvPr/>
+      </p:nvGrpSpPr>
+      <p:grpSpPr>
+        <a:xfrm>
+          <a:off x="0" y="0"/>
+          <a:ext cx="0" cy="0"/>
+          <a:chOff x="0" y="0"/>
+          <a:chExt cx="0" cy="0"/>
+        </a:xfrm>
+      </p:grpSpPr>
+      <p:sp>
+        <p:nvSpPr>
+          <p:cNvPr id="232" name="Shape 232"/>
+          <p:cNvSpPr txBox="1">
+            <a:spLocks noGrp="1"/>
+          </p:cNvSpPr>
+          <p:nvPr>
+            <p:ph type="title"/>
+          </p:nvPr>
+        </p:nvSpPr>
+        <p:spPr>
+          <a:xfrm>
+            <a:off x="311700" y="410000"/>
+            <a:ext cx="8520600" cy="607800"/>
+          </a:xfrm>
+          <a:prstGeom prst="rect">
+            <a:avLst/>
+          </a:prstGeom>
+        </p:spPr>
+        <p:txBody>
+          <a:bodyPr wrap="square" lIns="91425" tIns="91425" rIns="91425" bIns="91425" anchor="t" anchorCtr="0">
+            <a:noAutofit/>
+          </a:bodyPr>
+          <a:lstStyle/>
+          <a:p>
+            <a:pPr marL="0" lvl="0" indent="0" rtl="0">
+              <a:spcBef>
+                <a:spcPts val="0"/>
+              </a:spcBef>
+              <a:buNone/>
+            </a:pPr>
+            <a:r>
+              <a:rPr lang="en"/>
+              <a:t>Model Demonstration for James Doe</a:t>
+            </a:r>
+          </a:p>
+        </p:txBody>
+      </p:sp>
+      <p:sp>
+        <p:nvSpPr>
+          <p:cNvPr id="233" name="Shape 233"/>
           <p:cNvSpPr txBox="1">
             <a:spLocks noGrp="1"/>
           </p:cNvSpPr>
@@ -12923,82 +13133,6 @@
           </a:p>
         </p:txBody>
       </p:sp>
-      <p:graphicFrame>
-        <p:nvGraphicFramePr>
-          <p:cNvPr id="226" name="Shape 226"/>
-          <p:cNvGraphicFramePr/>
-          <p:nvPr/>
-        </p:nvGraphicFramePr>
-        <p:xfrm>
-          <a:off x="419350" y="1763150"/>
-          <a:ext cx="3000000" cy="3000000"/>
-        </p:xfrm>
-        <a:graphic>
-          <a:graphicData uri="http://schemas.openxmlformats.org/drawingml/2006/table">
-            <a:tbl>
-              <a:tblPr>
-                <a:noFill/>
-                <a:tableStyleId>{858E40EB-975A-4042-A4D1-2F7B21A0BBF2}</a:tableStyleId>
-              </a:tblPr>
-              <a:tblGrid>
-                <a:gridCol w="8029325">
-                  <a:extLst>
-                    <a:ext uri="{9D8B030D-6E8A-4147-A177-3AD203B41FA5}">
-                      <a16:colId xmlns:a16="http://schemas.microsoft.com/office/drawing/2014/main" val="20000"/>
-                    </a:ext>
-                  </a:extLst>
-                </a:gridCol>
-              </a:tblGrid>
-              <a:tr h="1467850">
-                <a:tc>
-                  <a:txBody>
-                    <a:bodyPr/>
-                    <a:lstStyle/>
-                    <a:p>
-                      <a:pPr marL="0" lvl="0" indent="0">
-                        <a:spcBef>
-                          <a:spcPts val="0"/>
-                        </a:spcBef>
-                        <a:buNone/>
-                      </a:pPr>
-                      <a:endParaRPr/>
-                    </a:p>
-                  </a:txBody>
-                  <a:tcPr marL="91425" marR="91425" marT="91425" marB="91425"/>
-                </a:tc>
-                <a:extLst>
-                  <a:ext uri="{0D108BD9-81ED-4DB2-BD59-A6C34878D82A}">
-                    <a16:rowId xmlns:a16="http://schemas.microsoft.com/office/drawing/2014/main" val="10000"/>
-                  </a:ext>
-                </a:extLst>
-              </a:tr>
-              <a:tr h="1467850">
-                <a:tc>
-                  <a:txBody>
-                    <a:bodyPr/>
-                    <a:lstStyle/>
-                    <a:p>
-                      <a:pPr marL="0" lvl="0" indent="0">
-                        <a:spcBef>
-                          <a:spcPts val="0"/>
-                        </a:spcBef>
-                        <a:buNone/>
-                      </a:pPr>
-                      <a:endParaRPr/>
-                    </a:p>
-                  </a:txBody>
-                  <a:tcPr marL="91425" marR="91425" marT="91425" marB="91425"/>
-                </a:tc>
-                <a:extLst>
-                  <a:ext uri="{0D108BD9-81ED-4DB2-BD59-A6C34878D82A}">
-                    <a16:rowId xmlns:a16="http://schemas.microsoft.com/office/drawing/2014/main" val="10001"/>
-                  </a:ext>
-                </a:extLst>
-              </a:tr>
-            </a:tbl>
-          </a:graphicData>
-        </a:graphic>
-      </p:graphicFrame>
     </p:spTree>
   </p:cSld>
   <p:clrMapOvr>
@@ -13007,12 +13141,12 @@
 </p:sld>
 </file>
 
-<file path=ppt/slides/slide21.xml><?xml version="1.0" encoding="utf-8"?>
+<file path=ppt/slides/slide22.xml><?xml version="1.0" encoding="utf-8"?>
 <p:sld xmlns:a="http://schemas.openxmlformats.org/drawingml/2006/main" xmlns:r="http://schemas.openxmlformats.org/officeDocument/2006/relationships" xmlns:p="http://schemas.openxmlformats.org/presentationml/2006/main">
   <p:cSld>
     <p:spTree>
       <p:nvGrpSpPr>
-        <p:cNvPr id="1" name="Shape 230"/>
+        <p:cNvPr id="1" name="Shape 237"/>
         <p:cNvGrpSpPr/>
         <p:nvPr/>
       </p:nvGrpSpPr>
@@ -13026,7 +13160,7 @@
       </p:grpSpPr>
       <p:sp>
         <p:nvSpPr>
-          <p:cNvPr id="231" name="Shape 231"/>
+          <p:cNvPr id="238" name="Shape 238"/>
           <p:cNvSpPr txBox="1">
             <a:spLocks noGrp="1"/>
           </p:cNvSpPr>
@@ -13064,7 +13198,7 @@
       </p:sp>
       <p:sp>
         <p:nvSpPr>
-          <p:cNvPr id="232" name="Shape 232"/>
+          <p:cNvPr id="239" name="Shape 239"/>
           <p:cNvSpPr txBox="1">
             <a:spLocks noGrp="1"/>
           </p:cNvSpPr>
@@ -13105,12 +13239,12 @@
 </p:sld>
 </file>
 
-<file path=ppt/slides/slide22.xml><?xml version="1.0" encoding="utf-8"?>
+<file path=ppt/slides/slide23.xml><?xml version="1.0" encoding="utf-8"?>
 <p:sld xmlns:a="http://schemas.openxmlformats.org/drawingml/2006/main" xmlns:r="http://schemas.openxmlformats.org/officeDocument/2006/relationships" xmlns:p="http://schemas.openxmlformats.org/presentationml/2006/main">
   <p:cSld>
     <p:spTree>
       <p:nvGrpSpPr>
-        <p:cNvPr id="1" name="Shape 236"/>
+        <p:cNvPr id="1" name="Shape 243"/>
         <p:cNvGrpSpPr/>
         <p:nvPr/>
       </p:nvGrpSpPr>
@@ -13124,7 +13258,7 @@
       </p:grpSpPr>
       <p:sp>
         <p:nvSpPr>
-          <p:cNvPr id="237" name="Shape 237"/>
+          <p:cNvPr id="244" name="Shape 244"/>
           <p:cNvSpPr txBox="1">
             <a:spLocks noGrp="1"/>
           </p:cNvSpPr>
@@ -13162,7 +13296,7 @@
       </p:sp>
       <p:sp>
         <p:nvSpPr>
-          <p:cNvPr id="238" name="Shape 238"/>
+          <p:cNvPr id="245" name="Shape 245"/>
           <p:cNvSpPr txBox="1">
             <a:spLocks noGrp="1"/>
           </p:cNvSpPr>
